--- a/assets/reports/20201105_BuildNetwork.pptx
+++ b/assets/reports/20201105_BuildNetwork.pptx
@@ -212,7 +212,7 @@
           <a:p>
             <a:fld id="{B4F92756-C5E1-414C-8D5B-61B7E77715E2}" type="datetimeFigureOut">
               <a:rPr lang="en-US" smtClean="0"/>
-              <a:t>11/5/2020</a:t>
+              <a:t>11/12/2020</a:t>
             </a:fld>
             <a:endParaRPr lang="en-US"/>
           </a:p>
@@ -382,7 +382,7 @@
           <a:p>
             <a:fld id="{DBA1148A-302C-4EB9-A1FB-86FEBAF3649D}" type="datetimeFigureOut">
               <a:rPr lang="en-US" smtClean="0"/>
-              <a:t>11/5/2020</a:t>
+              <a:t>11/12/2020</a:t>
             </a:fld>
             <a:endParaRPr lang="en-US"/>
           </a:p>
@@ -925,7 +925,7 @@
           <a:p>
             <a:fld id="{D297983E-23AF-46F8-876A-BC580C1FAACC}" type="datetime1">
               <a:rPr lang="en-US" smtClean="0"/>
-              <a:t>11/5/2020</a:t>
+              <a:t>11/12/2020</a:t>
             </a:fld>
             <a:endParaRPr lang="en-US"/>
           </a:p>
@@ -1121,7 +1121,7 @@
           <a:p>
             <a:fld id="{52A45906-4D2D-4E18-B9FE-9E3145B39EAE}" type="datetime1">
               <a:rPr lang="en-US" smtClean="0"/>
-              <a:t>11/5/2020</a:t>
+              <a:t>11/12/2020</a:t>
             </a:fld>
             <a:endParaRPr lang="en-US"/>
           </a:p>
@@ -7435,7 +7435,7 @@
           <a:p>
             <a:fld id="{456A3C91-B8C5-425F-9BFC-06B81986C584}" type="datetime1">
               <a:rPr lang="en-US" smtClean="0"/>
-              <a:t>11/5/2020</a:t>
+              <a:t>11/12/2020</a:t>
             </a:fld>
             <a:endParaRPr lang="en-US"/>
           </a:p>
@@ -8723,7 +8723,7 @@
           <a:p>
             <a:fld id="{A9D1A30E-DE6B-4770-8757-4DEC6351863C}" type="datetime1">
               <a:rPr lang="en-US" smtClean="0"/>
-              <a:t>11/5/2020</a:t>
+              <a:t>11/12/2020</a:t>
             </a:fld>
             <a:endParaRPr lang="en-US" dirty="0"/>
           </a:p>
@@ -9106,7 +9106,7 @@
           <a:p>
             <a:fld id="{71060DF7-3B66-43F4-ABA6-8DE1125C1915}" type="datetime1">
               <a:rPr lang="en-US" smtClean="0"/>
-              <a:t>11/5/2020</a:t>
+              <a:t>11/12/2020</a:t>
             </a:fld>
             <a:endParaRPr lang="en-US"/>
           </a:p>
@@ -9240,7 +9240,7 @@
           <a:p>
             <a:fld id="{9F8FB16D-8B03-47E2-9BF4-98200CBA3CA6}" type="datetime1">
               <a:rPr lang="en-US" smtClean="0"/>
-              <a:t>11/5/2020</a:t>
+              <a:t>11/12/2020</a:t>
             </a:fld>
             <a:endParaRPr lang="en-US"/>
           </a:p>
@@ -9351,7 +9351,7 @@
           <a:p>
             <a:fld id="{A7875D1E-13AE-46BB-8C89-5C78B94C366E}" type="datetime1">
               <a:rPr lang="en-US" smtClean="0"/>
-              <a:t>11/5/2020</a:t>
+              <a:t>11/12/2020</a:t>
             </a:fld>
             <a:endParaRPr lang="en-US"/>
           </a:p>
@@ -9644,7 +9644,7 @@
           <a:p>
             <a:fld id="{296CB1A1-10B4-4A56-9A36-6D445BD9D6E5}" type="datetime1">
               <a:rPr lang="en-US" smtClean="0"/>
-              <a:t>11/5/2020</a:t>
+              <a:t>11/12/2020</a:t>
             </a:fld>
             <a:endParaRPr lang="en-US"/>
           </a:p>
@@ -9917,7 +9917,7 @@
           <a:p>
             <a:fld id="{ED2AB522-E6A2-4B46-A750-7AF9600B9FCE}" type="datetime1">
               <a:rPr lang="en-US" smtClean="0"/>
-              <a:t>11/5/2020</a:t>
+              <a:t>11/12/2020</a:t>
             </a:fld>
             <a:endParaRPr lang="en-US"/>
           </a:p>
@@ -11122,11 +11122,6 @@
               </a:rPr>
               <a:t>2020.11.05</a:t>
             </a:r>
-            <a:endParaRPr lang="en-US" dirty="0" smtClean="0">
-              <a:latin typeface="Tahoma" panose="020B0604030504040204" pitchFamily="34" charset="0"/>
-              <a:ea typeface="Tahoma" panose="020B0604030504040204" pitchFamily="34" charset="0"/>
-              <a:cs typeface="Tahoma" panose="020B0604030504040204" pitchFamily="34" charset="0"/>
-            </a:endParaRPr>
           </a:p>
           <a:p>
             <a:r>
@@ -11513,14 +11508,6 @@
               </a:rPr>
               <a:t> v1</a:t>
             </a:r>
-            <a:endParaRPr lang="en-US" sz="3200" dirty="0" smtClean="0">
-              <a:solidFill>
-                <a:srgbClr val="002060"/>
-              </a:solidFill>
-              <a:latin typeface="Tahoma" panose="020B0604030504040204" pitchFamily="34" charset="0"/>
-              <a:ea typeface="Tahoma" panose="020B0604030504040204" pitchFamily="34" charset="0"/>
-              <a:cs typeface="Tahoma" panose="020B0604030504040204" pitchFamily="34" charset="0"/>
-            </a:endParaRPr>
           </a:p>
           <a:p>
             <a:pPr marL="285750" indent="-285750">
@@ -11923,14 +11910,6 @@
               </a:rPr>
               <a:t>Edge: Cross entropy loss</a:t>
             </a:r>
-            <a:endParaRPr lang="en-US" sz="2400" dirty="0" smtClean="0">
-              <a:solidFill>
-                <a:srgbClr val="002060"/>
-              </a:solidFill>
-              <a:latin typeface="Tahoma" panose="020B0604030504040204" pitchFamily="34" charset="0"/>
-              <a:ea typeface="Tahoma" panose="020B0604030504040204" pitchFamily="34" charset="0"/>
-              <a:cs typeface="Tahoma" panose="020B0604030504040204" pitchFamily="34" charset="0"/>
-            </a:endParaRPr>
           </a:p>
           <a:p>
             <a:endParaRPr lang="en-US" dirty="0">
@@ -12388,14 +12367,6 @@
               </a:rPr>
               <a:t>)</a:t>
             </a:r>
-            <a:endParaRPr lang="en-US" sz="2400" dirty="0" smtClean="0">
-              <a:solidFill>
-                <a:srgbClr val="002060"/>
-              </a:solidFill>
-              <a:latin typeface="Tahoma" panose="020B0604030504040204" pitchFamily="34" charset="0"/>
-              <a:ea typeface="Tahoma" panose="020B0604030504040204" pitchFamily="34" charset="0"/>
-              <a:cs typeface="Tahoma" panose="020B0604030504040204" pitchFamily="34" charset="0"/>
-            </a:endParaRPr>
           </a:p>
           <a:p>
             <a:endParaRPr lang="en-US" dirty="0">
@@ -12876,14 +12847,6 @@
               </a:rPr>
               <a:t>Test result</a:t>
             </a:r>
-            <a:endParaRPr lang="en-US" sz="2400" dirty="0" smtClean="0">
-              <a:solidFill>
-                <a:srgbClr val="002060"/>
-              </a:solidFill>
-              <a:latin typeface="Tahoma" panose="020B0604030504040204" pitchFamily="34" charset="0"/>
-              <a:ea typeface="Tahoma" panose="020B0604030504040204" pitchFamily="34" charset="0"/>
-              <a:cs typeface="Tahoma" panose="020B0604030504040204" pitchFamily="34" charset="0"/>
-            </a:endParaRPr>
           </a:p>
           <a:p>
             <a:endParaRPr lang="en-US" dirty="0">
@@ -13568,14 +13531,6 @@
               </a:rPr>
               <a:t>Test result</a:t>
             </a:r>
-            <a:endParaRPr lang="en-US" sz="2400" dirty="0" smtClean="0">
-              <a:solidFill>
-                <a:srgbClr val="002060"/>
-              </a:solidFill>
-              <a:latin typeface="Tahoma" panose="020B0604030504040204" pitchFamily="34" charset="0"/>
-              <a:ea typeface="Tahoma" panose="020B0604030504040204" pitchFamily="34" charset="0"/>
-              <a:cs typeface="Tahoma" panose="020B0604030504040204" pitchFamily="34" charset="0"/>
-            </a:endParaRPr>
           </a:p>
           <a:p>
             <a:endParaRPr lang="en-US" dirty="0">
@@ -13919,8 +13874,8 @@
           </a:p>
         </p:txBody>
       </p:sp>
-      <mc:AlternateContent xmlns:mc="http://schemas.openxmlformats.org/markup-compatibility/2006">
-        <mc:Choice xmlns:a14="http://schemas.microsoft.com/office/drawing/2010/main" Requires="a14">
+      <mc:AlternateContent xmlns:mc="http://schemas.openxmlformats.org/markup-compatibility/2006" xmlns:a14="http://schemas.microsoft.com/office/drawing/2010/main">
+        <mc:Choice Requires="a14">
           <p:sp>
             <p:nvSpPr>
               <p:cNvPr id="22" name="TextBox 21"/>
@@ -14096,7 +14051,7 @@
             </p:txBody>
           </p:sp>
         </mc:Choice>
-        <mc:Fallback>
+        <mc:Fallback xmlns="">
           <p:sp>
             <p:nvSpPr>
               <p:cNvPr id="22" name="TextBox 21"/>
@@ -14347,14 +14302,6 @@
               </a:rPr>
               <a:t>2 decoders </a:t>
             </a:r>
-            <a:endParaRPr lang="en-US" sz="2400" dirty="0" smtClean="0">
-              <a:solidFill>
-                <a:srgbClr val="002060"/>
-              </a:solidFill>
-              <a:latin typeface="Tahoma" panose="020B0604030504040204" pitchFamily="34" charset="0"/>
-              <a:ea typeface="Tahoma" panose="020B0604030504040204" pitchFamily="34" charset="0"/>
-              <a:cs typeface="Tahoma" panose="020B0604030504040204" pitchFamily="34" charset="0"/>
-            </a:endParaRPr>
           </a:p>
           <a:p>
             <a:endParaRPr lang="en-US" dirty="0">
@@ -14755,14 +14702,6 @@
               </a:rPr>
               <a:t>?)</a:t>
             </a:r>
-            <a:endParaRPr lang="en-US" sz="2400" dirty="0" smtClean="0">
-              <a:solidFill>
-                <a:srgbClr val="002060"/>
-              </a:solidFill>
-              <a:latin typeface="Tahoma" panose="020B0604030504040204" pitchFamily="34" charset="0"/>
-              <a:ea typeface="Tahoma" panose="020B0604030504040204" pitchFamily="34" charset="0"/>
-              <a:cs typeface="Tahoma" panose="020B0604030504040204" pitchFamily="34" charset="0"/>
-            </a:endParaRPr>
           </a:p>
           <a:p>
             <a:endParaRPr lang="en-US" dirty="0">
